--- a/documentation/Philly ForagR Slides.pptx
+++ b/documentation/Philly ForagR Slides.pptx
@@ -5,13 +5,16 @@
     <p:sldMasterId id="2147483648" r:id="rId1"/>
   </p:sldMasterIdLst>
   <p:notesMasterIdLst>
-    <p:notesMasterId r:id="rId6"/>
+    <p:notesMasterId r:id="rId9"/>
   </p:notesMasterIdLst>
   <p:sldIdLst>
     <p:sldId id="256" r:id="rId2"/>
     <p:sldId id="257" r:id="rId3"/>
     <p:sldId id="258" r:id="rId4"/>
-    <p:sldId id="260" r:id="rId5"/>
+    <p:sldId id="261" r:id="rId5"/>
+    <p:sldId id="263" r:id="rId6"/>
+    <p:sldId id="262" r:id="rId7"/>
+    <p:sldId id="260" r:id="rId8"/>
   </p:sldIdLst>
   <p:sldSz cx="9144000" cy="6858000" type="screen4x3"/>
   <p:notesSz cx="6858000" cy="9144000"/>
@@ -535,6 +538,264 @@
               <a:rPr lang="en-US" smtClean="0"/>
               <a:pPr/>
               <a:t>3</a:t>
+            </a:fld>
+            <a:endParaRPr lang="en-US"/>
+          </a:p>
+        </p:txBody>
+      </p:sp>
+    </p:spTree>
+  </p:cSld>
+  <p:clrMapOvr>
+    <a:masterClrMapping/>
+  </p:clrMapOvr>
+</p:notes>
+</file>
+
+<file path=ppt/notesSlides/notesSlide2.xml><?xml version="1.0" encoding="utf-8"?>
+<p:notes xmlns:a="http://schemas.openxmlformats.org/drawingml/2006/main" xmlns:r="http://schemas.openxmlformats.org/officeDocument/2006/relationships" xmlns:mc="http://schemas.openxmlformats.org/markup-compatibility/2006" xmlns:mv="urn:schemas-microsoft-com:mac:vml" xmlns:p="http://schemas.openxmlformats.org/presentationml/2006/main" mc:Ignorable="mv" mc:PreserveAttributes="mv:*">
+  <p:cSld>
+    <p:spTree>
+      <p:nvGrpSpPr>
+        <p:cNvPr id="1" name=""/>
+        <p:cNvGrpSpPr/>
+        <p:nvPr/>
+      </p:nvGrpSpPr>
+      <p:grpSpPr>
+        <a:xfrm>
+          <a:off x="0" y="0"/>
+          <a:ext cx="0" cy="0"/>
+          <a:chOff x="0" y="0"/>
+          <a:chExt cx="0" cy="0"/>
+        </a:xfrm>
+      </p:grpSpPr>
+      <p:sp>
+        <p:nvSpPr>
+          <p:cNvPr id="2" name="Slide Image Placeholder 1"/>
+          <p:cNvSpPr>
+            <a:spLocks noGrp="1" noRot="1" noChangeAspect="1"/>
+          </p:cNvSpPr>
+          <p:nvPr>
+            <p:ph type="sldImg"/>
+          </p:nvPr>
+        </p:nvSpPr>
+        <p:spPr/>
+      </p:sp>
+      <p:sp>
+        <p:nvSpPr>
+          <p:cNvPr id="3" name="Notes Placeholder 2"/>
+          <p:cNvSpPr>
+            <a:spLocks noGrp="1"/>
+          </p:cNvSpPr>
+          <p:nvPr>
+            <p:ph type="body" idx="1"/>
+          </p:nvPr>
+        </p:nvSpPr>
+        <p:spPr/>
+        <p:txBody>
+          <a:bodyPr>
+            <a:normAutofit/>
+          </a:bodyPr>
+          <a:lstStyle/>
+          <a:p>
+            <a:r>
+              <a:rPr lang="en-US" dirty="0" smtClean="0"/>
+              <a:t>Update Screenshot</a:t>
+            </a:r>
+            <a:endParaRPr lang="en-US" dirty="0"/>
+          </a:p>
+        </p:txBody>
+      </p:sp>
+      <p:sp>
+        <p:nvSpPr>
+          <p:cNvPr id="4" name="Slide Number Placeholder 3"/>
+          <p:cNvSpPr>
+            <a:spLocks noGrp="1"/>
+          </p:cNvSpPr>
+          <p:nvPr>
+            <p:ph type="sldNum" sz="quarter" idx="10"/>
+          </p:nvPr>
+        </p:nvSpPr>
+        <p:spPr/>
+        <p:txBody>
+          <a:bodyPr/>
+          <a:lstStyle/>
+          <a:p>
+            <a:fld id="{5C8440B2-276E-4424-B183-C63B6901C0EF}" type="slidenum">
+              <a:rPr lang="en-US" smtClean="0"/>
+              <a:pPr/>
+              <a:t>4</a:t>
+            </a:fld>
+            <a:endParaRPr lang="en-US"/>
+          </a:p>
+        </p:txBody>
+      </p:sp>
+    </p:spTree>
+  </p:cSld>
+  <p:clrMapOvr>
+    <a:masterClrMapping/>
+  </p:clrMapOvr>
+</p:notes>
+</file>
+
+<file path=ppt/notesSlides/notesSlide3.xml><?xml version="1.0" encoding="utf-8"?>
+<p:notes xmlns:a="http://schemas.openxmlformats.org/drawingml/2006/main" xmlns:r="http://schemas.openxmlformats.org/officeDocument/2006/relationships" xmlns:mc="http://schemas.openxmlformats.org/markup-compatibility/2006" xmlns:mv="urn:schemas-microsoft-com:mac:vml" xmlns:p="http://schemas.openxmlformats.org/presentationml/2006/main" mc:Ignorable="mv" mc:PreserveAttributes="mv:*">
+  <p:cSld>
+    <p:spTree>
+      <p:nvGrpSpPr>
+        <p:cNvPr id="1" name=""/>
+        <p:cNvGrpSpPr/>
+        <p:nvPr/>
+      </p:nvGrpSpPr>
+      <p:grpSpPr>
+        <a:xfrm>
+          <a:off x="0" y="0"/>
+          <a:ext cx="0" cy="0"/>
+          <a:chOff x="0" y="0"/>
+          <a:chExt cx="0" cy="0"/>
+        </a:xfrm>
+      </p:grpSpPr>
+      <p:sp>
+        <p:nvSpPr>
+          <p:cNvPr id="2" name="Slide Image Placeholder 1"/>
+          <p:cNvSpPr>
+            <a:spLocks noGrp="1" noRot="1" noChangeAspect="1"/>
+          </p:cNvSpPr>
+          <p:nvPr>
+            <p:ph type="sldImg"/>
+          </p:nvPr>
+        </p:nvSpPr>
+        <p:spPr/>
+      </p:sp>
+      <p:sp>
+        <p:nvSpPr>
+          <p:cNvPr id="3" name="Notes Placeholder 2"/>
+          <p:cNvSpPr>
+            <a:spLocks noGrp="1"/>
+          </p:cNvSpPr>
+          <p:nvPr>
+            <p:ph type="body" idx="1"/>
+          </p:nvPr>
+        </p:nvSpPr>
+        <p:spPr/>
+        <p:txBody>
+          <a:bodyPr>
+            <a:normAutofit/>
+          </a:bodyPr>
+          <a:lstStyle/>
+          <a:p>
+            <a:r>
+              <a:rPr lang="en-US" dirty="0" smtClean="0"/>
+              <a:t>Update Screenshot</a:t>
+            </a:r>
+            <a:endParaRPr lang="en-US" dirty="0"/>
+          </a:p>
+        </p:txBody>
+      </p:sp>
+      <p:sp>
+        <p:nvSpPr>
+          <p:cNvPr id="4" name="Slide Number Placeholder 3"/>
+          <p:cNvSpPr>
+            <a:spLocks noGrp="1"/>
+          </p:cNvSpPr>
+          <p:nvPr>
+            <p:ph type="sldNum" sz="quarter" idx="10"/>
+          </p:nvPr>
+        </p:nvSpPr>
+        <p:spPr/>
+        <p:txBody>
+          <a:bodyPr/>
+          <a:lstStyle/>
+          <a:p>
+            <a:fld id="{5C8440B2-276E-4424-B183-C63B6901C0EF}" type="slidenum">
+              <a:rPr lang="en-US" smtClean="0"/>
+              <a:pPr/>
+              <a:t>5</a:t>
+            </a:fld>
+            <a:endParaRPr lang="en-US"/>
+          </a:p>
+        </p:txBody>
+      </p:sp>
+    </p:spTree>
+  </p:cSld>
+  <p:clrMapOvr>
+    <a:masterClrMapping/>
+  </p:clrMapOvr>
+</p:notes>
+</file>
+
+<file path=ppt/notesSlides/notesSlide4.xml><?xml version="1.0" encoding="utf-8"?>
+<p:notes xmlns:a="http://schemas.openxmlformats.org/drawingml/2006/main" xmlns:r="http://schemas.openxmlformats.org/officeDocument/2006/relationships" xmlns:mc="http://schemas.openxmlformats.org/markup-compatibility/2006" xmlns:mv="urn:schemas-microsoft-com:mac:vml" xmlns:p="http://schemas.openxmlformats.org/presentationml/2006/main" mc:Ignorable="mv" mc:PreserveAttributes="mv:*">
+  <p:cSld>
+    <p:spTree>
+      <p:nvGrpSpPr>
+        <p:cNvPr id="1" name=""/>
+        <p:cNvGrpSpPr/>
+        <p:nvPr/>
+      </p:nvGrpSpPr>
+      <p:grpSpPr>
+        <a:xfrm>
+          <a:off x="0" y="0"/>
+          <a:ext cx="0" cy="0"/>
+          <a:chOff x="0" y="0"/>
+          <a:chExt cx="0" cy="0"/>
+        </a:xfrm>
+      </p:grpSpPr>
+      <p:sp>
+        <p:nvSpPr>
+          <p:cNvPr id="2" name="Slide Image Placeholder 1"/>
+          <p:cNvSpPr>
+            <a:spLocks noGrp="1" noRot="1" noChangeAspect="1"/>
+          </p:cNvSpPr>
+          <p:nvPr>
+            <p:ph type="sldImg"/>
+          </p:nvPr>
+        </p:nvSpPr>
+        <p:spPr/>
+      </p:sp>
+      <p:sp>
+        <p:nvSpPr>
+          <p:cNvPr id="3" name="Notes Placeholder 2"/>
+          <p:cNvSpPr>
+            <a:spLocks noGrp="1"/>
+          </p:cNvSpPr>
+          <p:nvPr>
+            <p:ph type="body" idx="1"/>
+          </p:nvPr>
+        </p:nvSpPr>
+        <p:spPr/>
+        <p:txBody>
+          <a:bodyPr>
+            <a:normAutofit/>
+          </a:bodyPr>
+          <a:lstStyle/>
+          <a:p>
+            <a:r>
+              <a:rPr lang="en-US" dirty="0" smtClean="0"/>
+              <a:t>Update Screenshot</a:t>
+            </a:r>
+            <a:endParaRPr lang="en-US" dirty="0"/>
+          </a:p>
+        </p:txBody>
+      </p:sp>
+      <p:sp>
+        <p:nvSpPr>
+          <p:cNvPr id="4" name="Slide Number Placeholder 3"/>
+          <p:cNvSpPr>
+            <a:spLocks noGrp="1"/>
+          </p:cNvSpPr>
+          <p:nvPr>
+            <p:ph type="sldNum" sz="quarter" idx="10"/>
+          </p:nvPr>
+        </p:nvSpPr>
+        <p:spPr/>
+        <p:txBody>
+          <a:bodyPr/>
+          <a:lstStyle/>
+          <a:p>
+            <a:fld id="{5C8440B2-276E-4424-B183-C63B6901C0EF}" type="slidenum">
+              <a:rPr lang="en-US" smtClean="0"/>
+              <a:pPr/>
+              <a:t>6</a:t>
             </a:fld>
             <a:endParaRPr lang="en-US"/>
           </a:p>
@@ -3503,37 +3764,6 @@
           <a:chExt cx="0" cy="0"/>
         </a:xfrm>
       </p:grpSpPr>
-      <p:sp>
-        <p:nvSpPr>
-          <p:cNvPr id="4" name="Title 3"/>
-          <p:cNvSpPr>
-            <a:spLocks noGrp="1"/>
-          </p:cNvSpPr>
-          <p:nvPr>
-            <p:ph type="title"/>
-          </p:nvPr>
-        </p:nvSpPr>
-        <p:spPr/>
-        <p:txBody>
-          <a:bodyPr/>
-          <a:lstStyle/>
-          <a:p>
-            <a:r>
-              <a:rPr lang="en-US" b="1" dirty="0" smtClean="0">
-                <a:solidFill>
-                  <a:srgbClr val="006400"/>
-                </a:solidFill>
-              </a:rPr>
-              <a:t>Philly ForagR</a:t>
-            </a:r>
-            <a:endParaRPr lang="en-US" b="1" dirty="0">
-              <a:solidFill>
-                <a:srgbClr val="006400"/>
-              </a:solidFill>
-            </a:endParaRPr>
-          </a:p>
-        </p:txBody>
-      </p:sp>
       <p:pic>
         <p:nvPicPr>
           <p:cNvPr id="6" name="Content Placeholder 5" descr="Philly Foragr Slide Cover.png"/>
@@ -3555,6 +3785,30 @@
             <a:off x="2007105" y="1847090"/>
             <a:ext cx="5129791" cy="4032183"/>
           </a:xfrm>
+        </p:spPr>
+      </p:pic>
+      <p:pic>
+        <p:nvPicPr>
+          <p:cNvPr id="7" name="Picture 6" descr="Logo.png"/>
+          <p:cNvPicPr>
+            <a:picLocks noChangeAspect="1"/>
+          </p:cNvPicPr>
+          <p:nvPr/>
+        </p:nvPicPr>
+        <p:blipFill>
+          <a:blip r:embed="rId3"/>
+          <a:stretch>
+            <a:fillRect/>
+          </a:stretch>
+        </p:blipFill>
+        <p:spPr>
+          <a:xfrm>
+            <a:off x="1676400" y="152400"/>
+            <a:ext cx="5680075" cy="1216025"/>
+          </a:xfrm>
+          <a:prstGeom prst="rect">
+            <a:avLst/>
+          </a:prstGeom>
         </p:spPr>
       </p:pic>
     </p:spTree>
@@ -3796,7 +4050,7 @@
       </p:sp>
       <p:pic>
         <p:nvPicPr>
-          <p:cNvPr id="4" name="Content Placeholder 3" descr="Philly Foragr Screenshot - 12.1.12.jpg">
+          <p:cNvPr id="8" name="Content Placeholder 7" descr="Screen shot 2012-12-02 at 12.33.32 PM.png">
             <a:hlinkClick r:id="rId3"/>
           </p:cNvPr>
           <p:cNvPicPr>
@@ -3807,15 +4061,15 @@
           </p:nvPr>
         </p:nvPicPr>
         <p:blipFill>
-          <a:blip r:embed="rId4" cstate="print"/>
+          <a:blip r:embed="rId4"/>
           <a:stretch>
             <a:fillRect/>
           </a:stretch>
         </p:blipFill>
         <p:spPr>
           <a:xfrm>
-            <a:off x="457200" y="2273710"/>
-            <a:ext cx="8229600" cy="3178943"/>
+            <a:off x="381000" y="2667000"/>
+            <a:ext cx="8541951" cy="2543819"/>
           </a:xfrm>
         </p:spPr>
       </p:pic>
@@ -3853,7 +4107,7 @@
       </p:grpSpPr>
       <p:sp>
         <p:nvSpPr>
-          <p:cNvPr id="4" name="Title 3"/>
+          <p:cNvPr id="2" name="Title 1"/>
           <p:cNvSpPr>
             <a:spLocks noGrp="1"/>
           </p:cNvSpPr>
@@ -3861,22 +4115,289 @@
             <p:ph type="title"/>
           </p:nvPr>
         </p:nvSpPr>
-        <p:spPr>
-          <a:xfrm flipV="1">
-            <a:off x="-4114800" y="-136525"/>
-            <a:ext cx="3008313" cy="273050"/>
-          </a:xfrm>
-        </p:spPr>
+        <p:spPr/>
+        <p:txBody>
+          <a:bodyPr/>
+          <a:lstStyle/>
+          <a:p>
+            <a:r>
+              <a:rPr lang="en-US" b="1" dirty="0" smtClean="0">
+                <a:solidFill>
+                  <a:srgbClr val="006400"/>
+                </a:solidFill>
+              </a:rPr>
+              <a:t>The Scenic Route</a:t>
+            </a:r>
+            <a:endParaRPr lang="en-US" b="1" dirty="0">
+              <a:solidFill>
+                <a:srgbClr val="006400"/>
+              </a:solidFill>
+            </a:endParaRPr>
+          </a:p>
+        </p:txBody>
+      </p:sp>
+      <p:pic>
+        <p:nvPicPr>
+          <p:cNvPr id="5" name="Content Placeholder 4" descr="MediaStream.ashx.jpg"/>
+          <p:cNvPicPr>
+            <a:picLocks noGrp="1" noChangeAspect="1"/>
+          </p:cNvPicPr>
+          <p:nvPr>
+            <p:ph idx="1"/>
+          </p:nvPr>
+        </p:nvPicPr>
+        <p:blipFill>
+          <a:blip r:embed="rId3"/>
+          <a:srcRect l="-23035" r="-23035"/>
+          <a:stretch>
+            <a:fillRect/>
+          </a:stretch>
+        </p:blipFill>
+        <p:spPr/>
+      </p:pic>
+    </p:spTree>
+  </p:cSld>
+  <p:clrMapOvr>
+    <a:masterClrMapping/>
+  </p:clrMapOvr>
+  <p:timing>
+    <p:tnLst>
+      <p:par>
+        <p:cTn id="1" dur="indefinite" restart="never" nodeType="tmRoot"/>
+      </p:par>
+    </p:tnLst>
+  </p:timing>
+</p:sld>
+</file>
+
+<file path=ppt/slides/slide5.xml><?xml version="1.0" encoding="utf-8"?>
+<p:sld xmlns:a="http://schemas.openxmlformats.org/drawingml/2006/main" xmlns:r="http://schemas.openxmlformats.org/officeDocument/2006/relationships" xmlns:mc="http://schemas.openxmlformats.org/markup-compatibility/2006" xmlns:mv="urn:schemas-microsoft-com:mac:vml" xmlns:p="http://schemas.openxmlformats.org/presentationml/2006/main" mc:Ignorable="mv" mc:PreserveAttributes="mv:*">
+  <p:cSld>
+    <p:spTree>
+      <p:nvGrpSpPr>
+        <p:cNvPr id="1" name=""/>
+        <p:cNvGrpSpPr/>
+        <p:nvPr/>
+      </p:nvGrpSpPr>
+      <p:grpSpPr>
+        <a:xfrm>
+          <a:off x="0" y="0"/>
+          <a:ext cx="0" cy="0"/>
+          <a:chOff x="0" y="0"/>
+          <a:chExt cx="0" cy="0"/>
+        </a:xfrm>
+      </p:grpSpPr>
+      <p:sp>
+        <p:nvSpPr>
+          <p:cNvPr id="2" name="Title 1"/>
+          <p:cNvSpPr>
+            <a:spLocks noGrp="1"/>
+          </p:cNvSpPr>
+          <p:nvPr>
+            <p:ph type="title"/>
+          </p:nvPr>
+        </p:nvSpPr>
+        <p:spPr/>
+        <p:txBody>
+          <a:bodyPr/>
+          <a:lstStyle/>
+          <a:p>
+            <a:r>
+              <a:rPr lang="en-US" b="1" dirty="0" smtClean="0">
+                <a:solidFill>
+                  <a:srgbClr val="006400"/>
+                </a:solidFill>
+              </a:rPr>
+              <a:t>The Scenic Route</a:t>
+            </a:r>
+            <a:endParaRPr lang="en-US" b="1" dirty="0">
+              <a:solidFill>
+                <a:srgbClr val="006400"/>
+              </a:solidFill>
+            </a:endParaRPr>
+          </a:p>
+        </p:txBody>
+      </p:sp>
+      <p:pic>
+        <p:nvPicPr>
+          <p:cNvPr id="6" name="Content Placeholder 5" descr="landmarks01.png"/>
+          <p:cNvPicPr>
+            <a:picLocks noGrp="1" noChangeAspect="1"/>
+          </p:cNvPicPr>
+          <p:nvPr>
+            <p:ph idx="1"/>
+          </p:nvPr>
+        </p:nvPicPr>
+        <p:blipFill>
+          <a:blip r:embed="rId3"/>
+          <a:srcRect l="-9556" r="-9556"/>
+          <a:stretch>
+            <a:fillRect/>
+          </a:stretch>
+        </p:blipFill>
+        <p:spPr/>
+      </p:pic>
+    </p:spTree>
+  </p:cSld>
+  <p:clrMapOvr>
+    <a:masterClrMapping/>
+  </p:clrMapOvr>
+  <p:timing>
+    <p:tnLst>
+      <p:par>
+        <p:cTn id="1" dur="indefinite" restart="never" nodeType="tmRoot"/>
+      </p:par>
+    </p:tnLst>
+  </p:timing>
+</p:sld>
+</file>
+
+<file path=ppt/slides/slide6.xml><?xml version="1.0" encoding="utf-8"?>
+<p:sld xmlns:a="http://schemas.openxmlformats.org/drawingml/2006/main" xmlns:r="http://schemas.openxmlformats.org/officeDocument/2006/relationships" xmlns:mc="http://schemas.openxmlformats.org/markup-compatibility/2006" xmlns:mv="urn:schemas-microsoft-com:mac:vml" xmlns:p="http://schemas.openxmlformats.org/presentationml/2006/main" mc:Ignorable="mv" mc:PreserveAttributes="mv:*">
+  <p:cSld>
+    <p:spTree>
+      <p:nvGrpSpPr>
+        <p:cNvPr id="1" name=""/>
+        <p:cNvGrpSpPr/>
+        <p:nvPr/>
+      </p:nvGrpSpPr>
+      <p:grpSpPr>
+        <a:xfrm>
+          <a:off x="0" y="0"/>
+          <a:ext cx="0" cy="0"/>
+          <a:chOff x="0" y="0"/>
+          <a:chExt cx="0" cy="0"/>
+        </a:xfrm>
+      </p:grpSpPr>
+      <p:sp>
+        <p:nvSpPr>
+          <p:cNvPr id="2" name="Title 1"/>
+          <p:cNvSpPr>
+            <a:spLocks noGrp="1"/>
+          </p:cNvSpPr>
+          <p:nvPr>
+            <p:ph type="title"/>
+          </p:nvPr>
+        </p:nvSpPr>
+        <p:spPr/>
+        <p:txBody>
+          <a:bodyPr/>
+          <a:lstStyle/>
+          <a:p>
+            <a:r>
+              <a:rPr lang="en-US" b="1" dirty="0" smtClean="0">
+                <a:solidFill>
+                  <a:srgbClr val="006400"/>
+                </a:solidFill>
+              </a:rPr>
+              <a:t>Potential Improvements</a:t>
+            </a:r>
+            <a:endParaRPr lang="en-US" b="1" dirty="0">
+              <a:solidFill>
+                <a:srgbClr val="006400"/>
+              </a:solidFill>
+            </a:endParaRPr>
+          </a:p>
+        </p:txBody>
+      </p:sp>
+      <p:sp>
+        <p:nvSpPr>
+          <p:cNvPr id="4" name="Content Placeholder 3"/>
+          <p:cNvSpPr>
+            <a:spLocks noGrp="1"/>
+          </p:cNvSpPr>
+          <p:nvPr>
+            <p:ph idx="1"/>
+          </p:nvPr>
+        </p:nvSpPr>
+        <p:spPr/>
         <p:txBody>
           <a:bodyPr>
-            <a:normAutofit fontScale="90000"/>
+            <a:normAutofit fontScale="92500"/>
           </a:bodyPr>
           <a:lstStyle/>
           <a:p>
-            <a:endParaRPr lang="en-US" dirty="0"/>
-          </a:p>
-        </p:txBody>
-      </p:sp>
+            <a:r>
+              <a:rPr lang="en-US" dirty="0" smtClean="0"/>
+              <a:t>Including healthy food retailers that do not accept SNAP</a:t>
+            </a:r>
+          </a:p>
+          <a:p>
+            <a:r>
+              <a:rPr lang="en-US" dirty="0" smtClean="0"/>
+              <a:t>Provide an easy-to-navigate guide to SNAP benefits</a:t>
+            </a:r>
+          </a:p>
+          <a:p>
+            <a:r>
+              <a:rPr lang="en-US" dirty="0" smtClean="0"/>
+              <a:t>Filtering </a:t>
+            </a:r>
+            <a:r>
+              <a:rPr lang="en-US" dirty="0" smtClean="0"/>
+              <a:t>out unhealthy foods by specific criteria (calories per serving, fat content, etc.</a:t>
+            </a:r>
+            <a:r>
+              <a:rPr lang="en-US" dirty="0" smtClean="0"/>
+              <a:t>)</a:t>
+            </a:r>
+          </a:p>
+          <a:p>
+            <a:r>
+              <a:rPr lang="en-US" dirty="0" smtClean="0"/>
+              <a:t>Highlighting retailers that do not sell </a:t>
+            </a:r>
+            <a:r>
+              <a:rPr lang="en-US" dirty="0" err="1" smtClean="0"/>
+              <a:t>GMOs</a:t>
+            </a:r>
+            <a:endParaRPr lang="en-US" dirty="0" smtClean="0"/>
+          </a:p>
+          <a:p>
+            <a:r>
+              <a:rPr lang="en-US" dirty="0" smtClean="0"/>
+              <a:t>An SMS interface utilizing </a:t>
+            </a:r>
+            <a:r>
+              <a:rPr lang="en-US" dirty="0" err="1" smtClean="0"/>
+              <a:t>Twilio</a:t>
+            </a:r>
+            <a:endParaRPr lang="en-US" dirty="0" smtClean="0"/>
+          </a:p>
+        </p:txBody>
+      </p:sp>
+    </p:spTree>
+  </p:cSld>
+  <p:clrMapOvr>
+    <a:masterClrMapping/>
+  </p:clrMapOvr>
+  <p:timing>
+    <p:tnLst>
+      <p:par>
+        <p:cTn id="1" dur="indefinite" restart="never" nodeType="tmRoot"/>
+      </p:par>
+    </p:tnLst>
+  </p:timing>
+</p:sld>
+</file>
+
+<file path=ppt/slides/slide7.xml><?xml version="1.0" encoding="utf-8"?>
+<p:sld xmlns:a="http://schemas.openxmlformats.org/drawingml/2006/main" xmlns:r="http://schemas.openxmlformats.org/officeDocument/2006/relationships" xmlns:mc="http://schemas.openxmlformats.org/markup-compatibility/2006" xmlns:mv="urn:schemas-microsoft-com:mac:vml" xmlns:p="http://schemas.openxmlformats.org/presentationml/2006/main" mc:Ignorable="mv" mc:PreserveAttributes="mv:*">
+  <p:cSld>
+    <p:spTree>
+      <p:nvGrpSpPr>
+        <p:cNvPr id="1" name=""/>
+        <p:cNvGrpSpPr/>
+        <p:nvPr/>
+      </p:nvGrpSpPr>
+      <p:grpSpPr>
+        <a:xfrm>
+          <a:off x="0" y="0"/>
+          <a:ext cx="0" cy="0"/>
+          <a:chOff x="0" y="0"/>
+          <a:chExt cx="0" cy="0"/>
+        </a:xfrm>
+      </p:grpSpPr>
       <p:pic>
         <p:nvPicPr>
           <p:cNvPr id="6" name="Content Placeholder 5" descr="Fresh Grocer.jpg"/>
